--- a/google-drive/week02/5Fri/2_LAsBeST TEMPLATE.pptx
+++ b/google-drive/week02/5Fri/2_LAsBeST TEMPLATE.pptx
@@ -5654,7 +5654,7 @@
                       <a:noFill/>
                       <a:extLst>
                         <a:ext uri="{909E8E84-426E-40dd-AFC4-6F175D3DCCD1}">
-                          <a14:hiddenFill xmlns:a14="http://schemas.microsoft.com/office/drawing/2010/main" xmlns="">
+                          <a14:hiddenFill xmlns="" xmlns:a14="http://schemas.microsoft.com/office/drawing/2010/main">
                             <a:solidFill>
                               <a:srgbClr val="FFFFFF"/>
                             </a:solidFill>
@@ -5980,7 +5980,7 @@
                 <a:latin typeface="Arial" panose="020B0604020202020204" pitchFamily="34" charset="0"/>
                 <a:cs typeface="Arial" pitchFamily="34" charset="0"/>
               </a:rPr>
-              <a:t>This project was funded under the Summer Institutes in Biostatistics (SIBS) program of the National Heart, Lung, and Blood Institute grant # R25HL147236, with additional support from the Keck School of Medicine of USC, USC Norris Comprehensive Cancer Center grant # P30CA014089 </a:t>
+              <a:t>This project was funded under the Summer Institutes in Biostatistics (SIBS) program of the National Heart, Lung, and Blood Institute grant # R25HL161788, with additional support from the Keck School of Medicine of USC, USC Norris Comprehensive Cancer Center grant # P30CA014089 </a:t>
             </a:r>
             <a:r>
               <a:rPr lang="en-US" dirty="0">
@@ -7007,10 +7007,10 @@
       </p:sp>
       <p:pic>
         <p:nvPicPr>
-          <p:cNvPr id="4" name="Picture 3" descr="A close-up of a logo&#10;&#10;Description automatically generated with medium confidence">
+          <p:cNvPr id="5" name="Picture 4" descr="A black and red text&#10;&#10;Description automatically generated with low confidence">
             <a:extLst>
               <a:ext uri="{FF2B5EF4-FFF2-40B4-BE49-F238E27FC236}">
-                <a16:creationId xmlns:a16="http://schemas.microsoft.com/office/drawing/2014/main" id="{E8D27D15-F7F2-E717-6AB4-B2B031EEDA13}"/>
+                <a16:creationId xmlns:a16="http://schemas.microsoft.com/office/drawing/2014/main" id="{AF186EF3-615D-C93B-D258-C95B050F1E06}"/>
               </a:ext>
             </a:extLst>
           </p:cNvPr>
@@ -7027,8 +7027,8 @@
         </p:blipFill>
         <p:spPr>
           <a:xfrm>
-            <a:off x="37259176" y="271775"/>
-            <a:ext cx="4578350" cy="4578350"/>
+            <a:off x="36669984" y="213618"/>
+            <a:ext cx="5211526" cy="4578350"/>
           </a:xfrm>
           <a:prstGeom prst="rect">
             <a:avLst/>
